--- a/Presentation/PhD 3rd Progress.pptx
+++ b/Presentation/PhD 3rd Progress.pptx
@@ -7087,13 +7087,13 @@
         </p:nvSpPr>
         <p:spPr>
           <a:xfrm>
-            <a:off x="838200" y="1538513"/>
-            <a:ext cx="10515600" cy="5000399"/>
+            <a:off x="838200" y="1538514"/>
+            <a:ext cx="10515600" cy="4769154"/>
           </a:xfrm>
         </p:spPr>
         <p:txBody>
           <a:bodyPr>
-            <a:normAutofit/>
+            <a:normAutofit fontScale="92500" lnSpcReduction="10000"/>
           </a:bodyPr>
           <a:lstStyle/>
           <a:p>
@@ -7142,7 +7142,10 @@
             </a:r>
           </a:p>
           <a:p>
-            <a:pPr lvl="1"/>
+            <a:pPr lvl="1">
+              <a:buFont typeface="Courier New" panose="02070309020205020404" pitchFamily="49" charset="0"/>
+              <a:buChar char="o"/>
+            </a:pPr>
             <a:r>
               <a:rPr lang="en-US" dirty="0">
                 <a:latin typeface="Times New Roman" panose="02020603050405020304" pitchFamily="18" charset="0"/>
@@ -7152,7 +7155,10 @@
             </a:r>
           </a:p>
           <a:p>
-            <a:pPr lvl="1"/>
+            <a:pPr lvl="1">
+              <a:buFont typeface="Courier New" panose="02070309020205020404" pitchFamily="49" charset="0"/>
+              <a:buChar char="o"/>
+            </a:pPr>
             <a:r>
               <a:rPr lang="en-US" dirty="0">
                 <a:latin typeface="Times New Roman" panose="02020603050405020304" pitchFamily="18" charset="0"/>
@@ -7168,6 +7174,45 @@
                 <a:cs typeface="Times New Roman" panose="02020603050405020304" pitchFamily="18" charset="0"/>
               </a:rPr>
               <a:t>Evaluation of Adaptation Model</a:t>
+            </a:r>
+          </a:p>
+          <a:p>
+            <a:pPr lvl="1">
+              <a:buFont typeface="Courier New" panose="02070309020205020404" pitchFamily="49" charset="0"/>
+              <a:buChar char="o"/>
+            </a:pPr>
+            <a:r>
+              <a:rPr lang="en-US" dirty="0">
+                <a:latin typeface="Times New Roman" panose="02020603050405020304" pitchFamily="18" charset="0"/>
+                <a:cs typeface="Times New Roman" panose="02020603050405020304" pitchFamily="18" charset="0"/>
+              </a:rPr>
+              <a:t>Cross Microservice Validations</a:t>
+            </a:r>
+          </a:p>
+          <a:p>
+            <a:pPr lvl="1">
+              <a:buFont typeface="Courier New" panose="02070309020205020404" pitchFamily="49" charset="0"/>
+              <a:buChar char="o"/>
+            </a:pPr>
+            <a:r>
+              <a:rPr lang="en-US" dirty="0">
+                <a:latin typeface="Times New Roman" panose="02020603050405020304" pitchFamily="18" charset="0"/>
+                <a:cs typeface="Times New Roman" panose="02020603050405020304" pitchFamily="18" charset="0"/>
+              </a:rPr>
+              <a:t>Feral Ordering</a:t>
+            </a:r>
+          </a:p>
+          <a:p>
+            <a:pPr lvl="1">
+              <a:buFont typeface="Courier New" panose="02070309020205020404" pitchFamily="49" charset="0"/>
+              <a:buChar char="o"/>
+            </a:pPr>
+            <a:r>
+              <a:rPr lang="en-US" dirty="0">
+                <a:latin typeface="Times New Roman" panose="02020603050405020304" pitchFamily="18" charset="0"/>
+                <a:cs typeface="Times New Roman" panose="02020603050405020304" pitchFamily="18" charset="0"/>
+              </a:rPr>
+              <a:t>Implicit Cross Microservice Associations</a:t>
             </a:r>
           </a:p>
           <a:p>
@@ -8026,33 +8071,15 @@
                                   </p:childTnLst>
                                 </p:cTn>
                               </p:par>
-                            </p:childTnLst>
-                          </p:cTn>
-                        </p:par>
-                      </p:childTnLst>
-                    </p:cTn>
-                  </p:par>
-                  <p:par>
-                    <p:cTn id="47" fill="hold">
-                      <p:stCondLst>
-                        <p:cond delay="indefinite"/>
-                      </p:stCondLst>
-                      <p:childTnLst>
-                        <p:par>
-                          <p:cTn id="48" fill="hold">
-                            <p:stCondLst>
-                              <p:cond delay="0"/>
-                            </p:stCondLst>
-                            <p:childTnLst>
                               <p:par>
-                                <p:cTn id="49" presetID="2" presetClass="entr" presetSubtype="4" fill="hold" grpId="0" nodeType="clickEffect">
+                                <p:cTn id="47" presetID="2" presetClass="entr" presetSubtype="4" fill="hold" grpId="0" nodeType="withEffect">
                                   <p:stCondLst>
                                     <p:cond delay="0"/>
                                   </p:stCondLst>
                                   <p:childTnLst>
                                     <p:set>
                                       <p:cBhvr>
-                                        <p:cTn id="50" dur="1" fill="hold">
+                                        <p:cTn id="48" dur="1" fill="hold">
                                           <p:stCondLst>
                                             <p:cond delay="0"/>
                                           </p:stCondLst>
@@ -8074,7 +8101,7 @@
                                     </p:set>
                                     <p:anim calcmode="lin" valueType="num">
                                       <p:cBhvr additive="base">
-                                        <p:cTn id="51" dur="500" fill="hold"/>
+                                        <p:cTn id="49" dur="500" fill="hold"/>
                                         <p:tgtEl>
                                           <p:spTgt spid="3">
                                             <p:txEl>
@@ -8101,11 +8128,284 @@
                                     </p:anim>
                                     <p:anim calcmode="lin" valueType="num">
                                       <p:cBhvr additive="base">
-                                        <p:cTn id="52" dur="500" fill="hold"/>
+                                        <p:cTn id="50" dur="500" fill="hold"/>
                                         <p:tgtEl>
                                           <p:spTgt spid="3">
                                             <p:txEl>
                                               <p:pRg st="8" end="8"/>
+                                            </p:txEl>
+                                          </p:spTgt>
+                                        </p:tgtEl>
+                                        <p:attrNameLst>
+                                          <p:attrName>ppt_y</p:attrName>
+                                        </p:attrNameLst>
+                                      </p:cBhvr>
+                                      <p:tavLst>
+                                        <p:tav tm="0">
+                                          <p:val>
+                                            <p:strVal val="1+#ppt_h/2"/>
+                                          </p:val>
+                                        </p:tav>
+                                        <p:tav tm="100000">
+                                          <p:val>
+                                            <p:strVal val="#ppt_y"/>
+                                          </p:val>
+                                        </p:tav>
+                                      </p:tavLst>
+                                    </p:anim>
+                                  </p:childTnLst>
+                                </p:cTn>
+                              </p:par>
+                              <p:par>
+                                <p:cTn id="51" presetID="2" presetClass="entr" presetSubtype="4" fill="hold" grpId="0" nodeType="withEffect">
+                                  <p:stCondLst>
+                                    <p:cond delay="0"/>
+                                  </p:stCondLst>
+                                  <p:childTnLst>
+                                    <p:set>
+                                      <p:cBhvr>
+                                        <p:cTn id="52" dur="1" fill="hold">
+                                          <p:stCondLst>
+                                            <p:cond delay="0"/>
+                                          </p:stCondLst>
+                                        </p:cTn>
+                                        <p:tgtEl>
+                                          <p:spTgt spid="3">
+                                            <p:txEl>
+                                              <p:pRg st="9" end="9"/>
+                                            </p:txEl>
+                                          </p:spTgt>
+                                        </p:tgtEl>
+                                        <p:attrNameLst>
+                                          <p:attrName>style.visibility</p:attrName>
+                                        </p:attrNameLst>
+                                      </p:cBhvr>
+                                      <p:to>
+                                        <p:strVal val="visible"/>
+                                      </p:to>
+                                    </p:set>
+                                    <p:anim calcmode="lin" valueType="num">
+                                      <p:cBhvr additive="base">
+                                        <p:cTn id="53" dur="500" fill="hold"/>
+                                        <p:tgtEl>
+                                          <p:spTgt spid="3">
+                                            <p:txEl>
+                                              <p:pRg st="9" end="9"/>
+                                            </p:txEl>
+                                          </p:spTgt>
+                                        </p:tgtEl>
+                                        <p:attrNameLst>
+                                          <p:attrName>ppt_x</p:attrName>
+                                        </p:attrNameLst>
+                                      </p:cBhvr>
+                                      <p:tavLst>
+                                        <p:tav tm="0">
+                                          <p:val>
+                                            <p:strVal val="#ppt_x"/>
+                                          </p:val>
+                                        </p:tav>
+                                        <p:tav tm="100000">
+                                          <p:val>
+                                            <p:strVal val="#ppt_x"/>
+                                          </p:val>
+                                        </p:tav>
+                                      </p:tavLst>
+                                    </p:anim>
+                                    <p:anim calcmode="lin" valueType="num">
+                                      <p:cBhvr additive="base">
+                                        <p:cTn id="54" dur="500" fill="hold"/>
+                                        <p:tgtEl>
+                                          <p:spTgt spid="3">
+                                            <p:txEl>
+                                              <p:pRg st="9" end="9"/>
+                                            </p:txEl>
+                                          </p:spTgt>
+                                        </p:tgtEl>
+                                        <p:attrNameLst>
+                                          <p:attrName>ppt_y</p:attrName>
+                                        </p:attrNameLst>
+                                      </p:cBhvr>
+                                      <p:tavLst>
+                                        <p:tav tm="0">
+                                          <p:val>
+                                            <p:strVal val="1+#ppt_h/2"/>
+                                          </p:val>
+                                        </p:tav>
+                                        <p:tav tm="100000">
+                                          <p:val>
+                                            <p:strVal val="#ppt_y"/>
+                                          </p:val>
+                                        </p:tav>
+                                      </p:tavLst>
+                                    </p:anim>
+                                  </p:childTnLst>
+                                </p:cTn>
+                              </p:par>
+                              <p:par>
+                                <p:cTn id="55" presetID="2" presetClass="entr" presetSubtype="4" fill="hold" grpId="0" nodeType="withEffect">
+                                  <p:stCondLst>
+                                    <p:cond delay="0"/>
+                                  </p:stCondLst>
+                                  <p:childTnLst>
+                                    <p:set>
+                                      <p:cBhvr>
+                                        <p:cTn id="56" dur="1" fill="hold">
+                                          <p:stCondLst>
+                                            <p:cond delay="0"/>
+                                          </p:stCondLst>
+                                        </p:cTn>
+                                        <p:tgtEl>
+                                          <p:spTgt spid="3">
+                                            <p:txEl>
+                                              <p:pRg st="10" end="10"/>
+                                            </p:txEl>
+                                          </p:spTgt>
+                                        </p:tgtEl>
+                                        <p:attrNameLst>
+                                          <p:attrName>style.visibility</p:attrName>
+                                        </p:attrNameLst>
+                                      </p:cBhvr>
+                                      <p:to>
+                                        <p:strVal val="visible"/>
+                                      </p:to>
+                                    </p:set>
+                                    <p:anim calcmode="lin" valueType="num">
+                                      <p:cBhvr additive="base">
+                                        <p:cTn id="57" dur="500" fill="hold"/>
+                                        <p:tgtEl>
+                                          <p:spTgt spid="3">
+                                            <p:txEl>
+                                              <p:pRg st="10" end="10"/>
+                                            </p:txEl>
+                                          </p:spTgt>
+                                        </p:tgtEl>
+                                        <p:attrNameLst>
+                                          <p:attrName>ppt_x</p:attrName>
+                                        </p:attrNameLst>
+                                      </p:cBhvr>
+                                      <p:tavLst>
+                                        <p:tav tm="0">
+                                          <p:val>
+                                            <p:strVal val="#ppt_x"/>
+                                          </p:val>
+                                        </p:tav>
+                                        <p:tav tm="100000">
+                                          <p:val>
+                                            <p:strVal val="#ppt_x"/>
+                                          </p:val>
+                                        </p:tav>
+                                      </p:tavLst>
+                                    </p:anim>
+                                    <p:anim calcmode="lin" valueType="num">
+                                      <p:cBhvr additive="base">
+                                        <p:cTn id="58" dur="500" fill="hold"/>
+                                        <p:tgtEl>
+                                          <p:spTgt spid="3">
+                                            <p:txEl>
+                                              <p:pRg st="10" end="10"/>
+                                            </p:txEl>
+                                          </p:spTgt>
+                                        </p:tgtEl>
+                                        <p:attrNameLst>
+                                          <p:attrName>ppt_y</p:attrName>
+                                        </p:attrNameLst>
+                                      </p:cBhvr>
+                                      <p:tavLst>
+                                        <p:tav tm="0">
+                                          <p:val>
+                                            <p:strVal val="1+#ppt_h/2"/>
+                                          </p:val>
+                                        </p:tav>
+                                        <p:tav tm="100000">
+                                          <p:val>
+                                            <p:strVal val="#ppt_y"/>
+                                          </p:val>
+                                        </p:tav>
+                                      </p:tavLst>
+                                    </p:anim>
+                                  </p:childTnLst>
+                                </p:cTn>
+                              </p:par>
+                            </p:childTnLst>
+                          </p:cTn>
+                        </p:par>
+                      </p:childTnLst>
+                    </p:cTn>
+                  </p:par>
+                  <p:par>
+                    <p:cTn id="59" fill="hold">
+                      <p:stCondLst>
+                        <p:cond delay="indefinite"/>
+                      </p:stCondLst>
+                      <p:childTnLst>
+                        <p:par>
+                          <p:cTn id="60" fill="hold">
+                            <p:stCondLst>
+                              <p:cond delay="0"/>
+                            </p:stCondLst>
+                            <p:childTnLst>
+                              <p:par>
+                                <p:cTn id="61" presetID="2" presetClass="entr" presetSubtype="4" fill="hold" grpId="0" nodeType="clickEffect">
+                                  <p:stCondLst>
+                                    <p:cond delay="0"/>
+                                  </p:stCondLst>
+                                  <p:childTnLst>
+                                    <p:set>
+                                      <p:cBhvr>
+                                        <p:cTn id="62" dur="1" fill="hold">
+                                          <p:stCondLst>
+                                            <p:cond delay="0"/>
+                                          </p:stCondLst>
+                                        </p:cTn>
+                                        <p:tgtEl>
+                                          <p:spTgt spid="3">
+                                            <p:txEl>
+                                              <p:pRg st="11" end="11"/>
+                                            </p:txEl>
+                                          </p:spTgt>
+                                        </p:tgtEl>
+                                        <p:attrNameLst>
+                                          <p:attrName>style.visibility</p:attrName>
+                                        </p:attrNameLst>
+                                      </p:cBhvr>
+                                      <p:to>
+                                        <p:strVal val="visible"/>
+                                      </p:to>
+                                    </p:set>
+                                    <p:anim calcmode="lin" valueType="num">
+                                      <p:cBhvr additive="base">
+                                        <p:cTn id="63" dur="500" fill="hold"/>
+                                        <p:tgtEl>
+                                          <p:spTgt spid="3">
+                                            <p:txEl>
+                                              <p:pRg st="11" end="11"/>
+                                            </p:txEl>
+                                          </p:spTgt>
+                                        </p:tgtEl>
+                                        <p:attrNameLst>
+                                          <p:attrName>ppt_x</p:attrName>
+                                        </p:attrNameLst>
+                                      </p:cBhvr>
+                                      <p:tavLst>
+                                        <p:tav tm="0">
+                                          <p:val>
+                                            <p:strVal val="#ppt_x"/>
+                                          </p:val>
+                                        </p:tav>
+                                        <p:tav tm="100000">
+                                          <p:val>
+                                            <p:strVal val="#ppt_x"/>
+                                          </p:val>
+                                        </p:tav>
+                                      </p:tavLst>
+                                    </p:anim>
+                                    <p:anim calcmode="lin" valueType="num">
+                                      <p:cBhvr additive="base">
+                                        <p:cTn id="64" dur="500" fill="hold"/>
+                                        <p:tgtEl>
+                                          <p:spTgt spid="3">
+                                            <p:txEl>
+                                              <p:pRg st="11" end="11"/>
                                             </p:txEl>
                                           </p:spTgt>
                                         </p:tgtEl>
@@ -16676,7 +16976,7 @@
             <a:pPr algn="ctr"/>
             <a:r>
               <a:rPr lang="en-US" dirty="0"/>
-              <a:t>Parameters for Evaluating Data Consistency in Microservices Architecture</a:t>
+              <a:t>Future Work</a:t>
             </a:r>
             <a:endParaRPr lang="en-PK" dirty="0"/>
           </a:p>
@@ -16705,78 +17005,83 @@
           </a:bodyPr>
           <a:lstStyle/>
           <a:p>
-            <a:pPr marL="0" indent="0" algn="l">
+            <a:pPr marL="0" indent="0">
               <a:buNone/>
             </a:pPr>
             <a:r>
-              <a:rPr lang="en-US" sz="2400" b="1" u="none" strike="noStrike" baseline="0" dirty="0">
+              <a:rPr lang="en-US" sz="2400" b="1" dirty="0">
                 <a:latin typeface="Times New Roman" panose="02020603050405020304" pitchFamily="18" charset="0"/>
                 <a:cs typeface="Times New Roman" panose="02020603050405020304" pitchFamily="18" charset="0"/>
               </a:rPr>
-              <a:t>Dirty Reads</a:t>
+              <a:t>Parameters for Evaluating Data Consistency in Microservices Architecture</a:t>
             </a:r>
+          </a:p>
+          <a:p>
+            <a:pPr marL="0" indent="0">
+              <a:buNone/>
+            </a:pPr>
+            <a:endParaRPr lang="en-US" sz="2400" b="1" u="none" strike="noStrike" baseline="0" dirty="0">
+              <a:latin typeface="Times New Roman" panose="02020603050405020304" pitchFamily="18" charset="0"/>
+              <a:cs typeface="Times New Roman" panose="02020603050405020304" pitchFamily="18" charset="0"/>
+            </a:endParaRPr>
+          </a:p>
+          <a:p>
+            <a:pPr marL="457200" indent="-457200" algn="l">
+              <a:buFont typeface="+mj-lt"/>
+              <a:buAutoNum type="arabicPeriod"/>
+            </a:pPr>
             <a:r>
-              <a:rPr lang="en-US" sz="2400" b="0" u="none" strike="noStrike" baseline="0" dirty="0">
+              <a:rPr lang="en-US" sz="2400" u="none" strike="noStrike" baseline="0" dirty="0">
                 <a:latin typeface="Times New Roman" panose="02020603050405020304" pitchFamily="18" charset="0"/>
                 <a:cs typeface="Times New Roman" panose="02020603050405020304" pitchFamily="18" charset="0"/>
               </a:rPr>
-              <a:t> </a:t>
+              <a:t>Dirty Reads </a:t>
             </a:r>
           </a:p>
           <a:p>
-            <a:pPr marL="0" indent="0" algn="l">
-              <a:buNone/>
+            <a:pPr marL="457200" indent="-457200" algn="l">
+              <a:buFont typeface="+mj-lt"/>
+              <a:buAutoNum type="arabicPeriod"/>
             </a:pPr>
-            <a:endParaRPr lang="en-US" sz="2400" b="0" u="none" strike="noStrike" baseline="0" dirty="0">
+            <a:endParaRPr lang="en-US" sz="2400" u="none" strike="noStrike" baseline="0" dirty="0">
               <a:latin typeface="Times New Roman" panose="02020603050405020304" pitchFamily="18" charset="0"/>
               <a:cs typeface="Times New Roman" panose="02020603050405020304" pitchFamily="18" charset="0"/>
             </a:endParaRPr>
           </a:p>
           <a:p>
-            <a:pPr marL="0" indent="0" algn="l">
-              <a:buNone/>
+            <a:pPr marL="457200" indent="-457200" algn="l">
+              <a:buFont typeface="+mj-lt"/>
+              <a:buAutoNum type="arabicPeriod"/>
             </a:pPr>
             <a:r>
-              <a:rPr lang="en-US" sz="2400" b="1" u="none" strike="noStrike" baseline="0" dirty="0">
+              <a:rPr lang="en-US" sz="2400" u="none" strike="noStrike" baseline="0" dirty="0">
                 <a:latin typeface="Times New Roman" panose="02020603050405020304" pitchFamily="18" charset="0"/>
                 <a:cs typeface="Times New Roman" panose="02020603050405020304" pitchFamily="18" charset="0"/>
               </a:rPr>
-              <a:t>Lost Updates</a:t>
+              <a:t>Lost Updates </a:t>
             </a:r>
+          </a:p>
+          <a:p>
+            <a:pPr marL="457200" indent="-457200" algn="l">
+              <a:buFont typeface="+mj-lt"/>
+              <a:buAutoNum type="arabicPeriod"/>
+            </a:pPr>
+            <a:endParaRPr lang="en-US" sz="2400" u="none" strike="noStrike" baseline="0" dirty="0">
+              <a:latin typeface="Times New Roman" panose="02020603050405020304" pitchFamily="18" charset="0"/>
+              <a:cs typeface="Times New Roman" panose="02020603050405020304" pitchFamily="18" charset="0"/>
+            </a:endParaRPr>
+          </a:p>
+          <a:p>
+            <a:pPr marL="457200" indent="-457200" algn="l">
+              <a:buFont typeface="+mj-lt"/>
+              <a:buAutoNum type="arabicPeriod"/>
+            </a:pPr>
             <a:r>
-              <a:rPr lang="en-US" sz="2400" b="0" u="none" strike="noStrike" baseline="0" dirty="0">
+              <a:rPr lang="en-US" sz="2400" u="none" strike="noStrike" baseline="0" dirty="0">
                 <a:latin typeface="Times New Roman" panose="02020603050405020304" pitchFamily="18" charset="0"/>
                 <a:cs typeface="Times New Roman" panose="02020603050405020304" pitchFamily="18" charset="0"/>
               </a:rPr>
-              <a:t> </a:t>
-            </a:r>
-          </a:p>
-          <a:p>
-            <a:pPr marL="0" indent="0" algn="l">
-              <a:buNone/>
-            </a:pPr>
-            <a:endParaRPr lang="en-US" sz="2400" b="0" u="none" strike="noStrike" baseline="0" dirty="0">
-              <a:latin typeface="Times New Roman" panose="02020603050405020304" pitchFamily="18" charset="0"/>
-              <a:cs typeface="Times New Roman" panose="02020603050405020304" pitchFamily="18" charset="0"/>
-            </a:endParaRPr>
-          </a:p>
-          <a:p>
-            <a:pPr marL="0" indent="0" algn="l">
-              <a:buNone/>
-            </a:pPr>
-            <a:r>
-              <a:rPr lang="en-US" sz="2400" b="1" u="none" strike="noStrike" baseline="0" dirty="0">
-                <a:latin typeface="Times New Roman" panose="02020603050405020304" pitchFamily="18" charset="0"/>
-                <a:cs typeface="Times New Roman" panose="02020603050405020304" pitchFamily="18" charset="0"/>
-              </a:rPr>
-              <a:t>Non-repeatable Reads</a:t>
-            </a:r>
-            <a:r>
-              <a:rPr lang="en-US" sz="2400" b="0" u="none" strike="noStrike" baseline="0" dirty="0">
-                <a:latin typeface="Times New Roman" panose="02020603050405020304" pitchFamily="18" charset="0"/>
-                <a:cs typeface="Times New Roman" panose="02020603050405020304" pitchFamily="18" charset="0"/>
-              </a:rPr>
-              <a:t> </a:t>
+              <a:t>Non-repeatable Reads </a:t>
             </a:r>
           </a:p>
         </p:txBody>
@@ -16884,7 +17189,7 @@
                                         <p:tgtEl>
                                           <p:spTgt spid="3">
                                             <p:txEl>
-                                              <p:pRg st="0" end="0"/>
+                                              <p:pRg st="2" end="2"/>
                                             </p:txEl>
                                           </p:spTgt>
                                         </p:tgtEl>
@@ -16902,7 +17207,7 @@
                                         <p:tgtEl>
                                           <p:spTgt spid="3">
                                             <p:txEl>
-                                              <p:pRg st="0" end="0"/>
+                                              <p:pRg st="2" end="2"/>
                                             </p:txEl>
                                           </p:spTgt>
                                         </p:tgtEl>
@@ -16929,7 +17234,7 @@
                                         <p:tgtEl>
                                           <p:spTgt spid="3">
                                             <p:txEl>
-                                              <p:pRg st="0" end="0"/>
+                                              <p:pRg st="2" end="2"/>
                                             </p:txEl>
                                           </p:spTgt>
                                         </p:tgtEl>
@@ -16987,7 +17292,7 @@
                                         <p:tgtEl>
                                           <p:spTgt spid="3">
                                             <p:txEl>
-                                              <p:pRg st="2" end="2"/>
+                                              <p:pRg st="0" end="0"/>
                                             </p:txEl>
                                           </p:spTgt>
                                         </p:tgtEl>
@@ -17005,7 +17310,7 @@
                                         <p:tgtEl>
                                           <p:spTgt spid="3">
                                             <p:txEl>
-                                              <p:pRg st="2" end="2"/>
+                                              <p:pRg st="0" end="0"/>
                                             </p:txEl>
                                           </p:spTgt>
                                         </p:tgtEl>
@@ -17032,7 +17337,7 @@
                                         <p:tgtEl>
                                           <p:spTgt spid="3">
                                             <p:txEl>
-                                              <p:pRg st="2" end="2"/>
+                                              <p:pRg st="0" end="0"/>
                                             </p:txEl>
                                           </p:spTgt>
                                         </p:tgtEl>
@@ -17136,6 +17441,109 @@
                                           <p:spTgt spid="3">
                                             <p:txEl>
                                               <p:pRg st="4" end="4"/>
+                                            </p:txEl>
+                                          </p:spTgt>
+                                        </p:tgtEl>
+                                        <p:attrNameLst>
+                                          <p:attrName>ppt_y</p:attrName>
+                                        </p:attrNameLst>
+                                      </p:cBhvr>
+                                      <p:tavLst>
+                                        <p:tav tm="0">
+                                          <p:val>
+                                            <p:strVal val="1+#ppt_h/2"/>
+                                          </p:val>
+                                        </p:tav>
+                                        <p:tav tm="100000">
+                                          <p:val>
+                                            <p:strVal val="#ppt_y"/>
+                                          </p:val>
+                                        </p:tav>
+                                      </p:tavLst>
+                                    </p:anim>
+                                  </p:childTnLst>
+                                </p:cTn>
+                              </p:par>
+                            </p:childTnLst>
+                          </p:cTn>
+                        </p:par>
+                      </p:childTnLst>
+                    </p:cTn>
+                  </p:par>
+                  <p:par>
+                    <p:cTn id="21" fill="hold">
+                      <p:stCondLst>
+                        <p:cond delay="indefinite"/>
+                      </p:stCondLst>
+                      <p:childTnLst>
+                        <p:par>
+                          <p:cTn id="22" fill="hold">
+                            <p:stCondLst>
+                              <p:cond delay="0"/>
+                            </p:stCondLst>
+                            <p:childTnLst>
+                              <p:par>
+                                <p:cTn id="23" presetID="2" presetClass="entr" presetSubtype="4" fill="hold" nodeType="clickEffect">
+                                  <p:stCondLst>
+                                    <p:cond delay="0"/>
+                                  </p:stCondLst>
+                                  <p:childTnLst>
+                                    <p:set>
+                                      <p:cBhvr>
+                                        <p:cTn id="24" dur="1" fill="hold">
+                                          <p:stCondLst>
+                                            <p:cond delay="0"/>
+                                          </p:stCondLst>
+                                        </p:cTn>
+                                        <p:tgtEl>
+                                          <p:spTgt spid="3">
+                                            <p:txEl>
+                                              <p:pRg st="6" end="6"/>
+                                            </p:txEl>
+                                          </p:spTgt>
+                                        </p:tgtEl>
+                                        <p:attrNameLst>
+                                          <p:attrName>style.visibility</p:attrName>
+                                        </p:attrNameLst>
+                                      </p:cBhvr>
+                                      <p:to>
+                                        <p:strVal val="visible"/>
+                                      </p:to>
+                                    </p:set>
+                                    <p:anim calcmode="lin" valueType="num">
+                                      <p:cBhvr additive="base">
+                                        <p:cTn id="25" dur="500" fill="hold"/>
+                                        <p:tgtEl>
+                                          <p:spTgt spid="3">
+                                            <p:txEl>
+                                              <p:pRg st="6" end="6"/>
+                                            </p:txEl>
+                                          </p:spTgt>
+                                        </p:tgtEl>
+                                        <p:attrNameLst>
+                                          <p:attrName>ppt_x</p:attrName>
+                                        </p:attrNameLst>
+                                      </p:cBhvr>
+                                      <p:tavLst>
+                                        <p:tav tm="0">
+                                          <p:val>
+                                            <p:strVal val="#ppt_x"/>
+                                          </p:val>
+                                        </p:tav>
+                                        <p:tav tm="100000">
+                                          <p:val>
+                                            <p:strVal val="#ppt_x"/>
+                                          </p:val>
+                                        </p:tav>
+                                      </p:tavLst>
+                                    </p:anim>
+                                    <p:anim calcmode="lin" valueType="num">
+                                      <p:cBhvr additive="base">
+                                        <p:cTn id="26" dur="500" fill="hold"/>
+                                        <p:tgtEl>
+                                          <p:spTgt spid="3">
+                                            <p:txEl>
+                                              <p:pRg st="6" end="6"/>
                                             </p:txEl>
                                           </p:spTgt>
                                         </p:tgtEl>
